--- a/docs/CSS.pptx
+++ b/docs/CSS.pptx
@@ -17277,33 +17277,37 @@
           <a:lstStyle/>
           <a:p>
             <a:r>
+              <a:rPr lang="en-US" dirty="0" smtClean="0">
+                <a:hlinkClick r:id="rId2"/>
+              </a:rPr>
+              <a:t>https</a:t>
+            </a:r>
+            <a:r>
               <a:rPr lang="en-US" dirty="0">
                 <a:hlinkClick r:id="rId2"/>
               </a:rPr>
-              <a:t>https://developer.mozilla.org/en-US/docs/Learn/HTML</a:t>
-            </a:r>
-            <a:endParaRPr lang="vi-VN" dirty="0" smtClean="0">
-              <a:hlinkClick r:id="rId3"/>
-            </a:endParaRPr>
-          </a:p>
-          <a:p>
+              <a:t>://</a:t>
+            </a:r>
+            <a:r>
+              <a:rPr lang="en-US" dirty="0" smtClean="0">
+                <a:hlinkClick r:id="rId2"/>
+              </a:rPr>
+              <a:t>developer.mozilla.org/en-US/docs/Learn/CSS/First_steps/How_CSS_is_structured</a:t>
+            </a:r>
+            <a:endParaRPr lang="vi-VN" dirty="0" smtClean="0"/>
+          </a:p>
+          <a:p>
+            <a:r>
+              <a:rPr lang="en-US" dirty="0">
+                <a:hlinkClick r:id="rId3"/>
+              </a:rPr>
+              <a:t>https://</a:t>
+            </a:r>
             <a:r>
               <a:rPr lang="en-US" dirty="0" smtClean="0">
                 <a:hlinkClick r:id="rId3"/>
               </a:rPr>
-              <a:t>https</a:t>
-            </a:r>
-            <a:r>
-              <a:rPr lang="en-US" dirty="0">
-                <a:hlinkClick r:id="rId3"/>
-              </a:rPr>
-              <a:t>://</a:t>
-            </a:r>
-            <a:r>
-              <a:rPr lang="en-US" dirty="0" smtClean="0">
-                <a:hlinkClick r:id="rId3"/>
-              </a:rPr>
-              <a:t>developer.mozilla.org/en-US/docs/Learn/CSS/First_steps/How_CSS_is_structured</a:t>
+              <a:t>www.w3schools.com/css</a:t>
             </a:r>
             <a:endParaRPr lang="vi-VN" dirty="0" smtClean="0"/>
           </a:p>
@@ -17318,31 +17322,7 @@
               <a:rPr lang="en-US" dirty="0" smtClean="0">
                 <a:hlinkClick r:id="rId4"/>
               </a:rPr>
-              <a:t>www.w3schools.com/css</a:t>
-            </a:r>
-            <a:endParaRPr lang="vi-VN" dirty="0" smtClean="0"/>
-          </a:p>
-          <a:p>
-            <a:r>
-              <a:rPr lang="en-US" dirty="0">
-                <a:hlinkClick r:id="rId5"/>
-              </a:rPr>
-              <a:t>https://</a:t>
-            </a:r>
-            <a:r>
-              <a:rPr lang="en-US" dirty="0" smtClean="0">
-                <a:hlinkClick r:id="rId5"/>
-              </a:rPr>
               <a:t>www.learn-html.org</a:t>
-            </a:r>
-            <a:endParaRPr lang="vi-VN" dirty="0" smtClean="0"/>
-          </a:p>
-          <a:p>
-            <a:r>
-              <a:rPr lang="en-US" dirty="0">
-                <a:hlinkClick r:id="rId6"/>
-              </a:rPr>
-              <a:t>https://techmaster.vn/posts/35050/co-gi-moi-trong-html5</a:t>
             </a:r>
             <a:endParaRPr lang="en-US" dirty="0"/>
           </a:p>
@@ -19715,6 +19695,62 @@
           <a:bodyPr/>
           <a:lstStyle/>
           <a:p>
+            <a:r>
+              <a:rPr lang="vi-VN" dirty="0" smtClean="0"/>
+              <a:t>Implement below form</a:t>
+            </a:r>
+          </a:p>
+          <a:p>
+            <a:endParaRPr lang="vi-VN" dirty="0"/>
+          </a:p>
+          <a:p>
+            <a:endParaRPr lang="vi-VN" dirty="0" smtClean="0"/>
+          </a:p>
+          <a:p>
+            <a:endParaRPr lang="vi-VN" dirty="0"/>
+          </a:p>
+          <a:p>
+            <a:endParaRPr lang="vi-VN" dirty="0" smtClean="0"/>
+          </a:p>
+          <a:p>
+            <a:endParaRPr lang="vi-VN" dirty="0"/>
+          </a:p>
+          <a:p>
+            <a:endParaRPr lang="vi-VN" dirty="0" smtClean="0"/>
+          </a:p>
+          <a:p>
+            <a:r>
+              <a:rPr lang="vi-VN" dirty="0"/>
+              <a:t>Demo: </a:t>
+            </a:r>
+            <a:endParaRPr lang="vi-VN" dirty="0" smtClean="0"/>
+          </a:p>
+          <a:p>
+            <a:pPr lvl="1"/>
+            <a:r>
+              <a:rPr lang="vi-VN" dirty="0" smtClean="0">
+                <a:hlinkClick r:id="rId2"/>
+              </a:rPr>
+              <a:t>https</a:t>
+            </a:r>
+            <a:r>
+              <a:rPr lang="vi-VN" dirty="0">
+                <a:hlinkClick r:id="rId2"/>
+              </a:rPr>
+              <a:t>://</a:t>
+            </a:r>
+            <a:r>
+              <a:rPr lang="vi-VN" dirty="0" smtClean="0">
+                <a:hlinkClick r:id="rId2"/>
+              </a:rPr>
+              <a:t>github.com/giaule91/basic-html.git</a:t>
+            </a:r>
+            <a:endParaRPr lang="vi-VN" dirty="0" smtClean="0"/>
+          </a:p>
+          <a:p>
+            <a:pPr marL="95250" indent="0">
+              <a:buNone/>
+            </a:pPr>
             <a:endParaRPr lang="en-US" dirty="0"/>
           </a:p>
         </p:txBody>
@@ -19728,7 +19764,7 @@
           <p:nvPr/>
         </p:nvPicPr>
         <p:blipFill>
-          <a:blip r:embed="rId2">
+          <a:blip r:embed="rId3">
             <a:extLst>
               <a:ext uri="{28A0092B-C50C-407E-A947-70E740481C1C}">
                 <a14:useLocalDpi xmlns:a14="http://schemas.microsoft.com/office/drawing/2010/main" val="0"/>
@@ -19741,8 +19777,8 @@
         </p:blipFill>
         <p:spPr>
           <a:xfrm>
-            <a:off x="1295400" y="971550"/>
-            <a:ext cx="5980227" cy="3845848"/>
+            <a:off x="3810000" y="1581150"/>
+            <a:ext cx="4034043" cy="2594269"/>
           </a:xfrm>
           <a:prstGeom prst="rect">
             <a:avLst/>

--- a/docs/CSS.pptx
+++ b/docs/CSS.pptx
@@ -15452,11 +15452,15 @@
           <a:p>
             <a:r>
               <a:rPr lang="en-US" dirty="0" smtClean="0"/>
-              <a:t>We </a:t>
+              <a:t>“We </a:t>
             </a:r>
             <a:r>
               <a:rPr lang="en-US" dirty="0"/>
               <a:t>strongly recommend that you never use it unless you absolutely have to. </a:t>
+            </a:r>
+            <a:r>
+              <a:rPr lang="en-US" dirty="0" smtClean="0"/>
+              <a:t>“</a:t>
             </a:r>
             <a:endParaRPr lang="vi-VN" dirty="0" smtClean="0"/>
           </a:p>
@@ -15767,6 +15771,9 @@
             </a:r>
           </a:p>
           <a:p>
+            <a:pPr marL="95250" indent="0">
+              <a:buNone/>
+            </a:pPr>
             <a:r>
               <a:rPr lang="en-US" dirty="0"/>
               <a:t/>
@@ -16927,7 +16934,23 @@
             </a:pPr>
             <a:r>
               <a:rPr lang="en-US" dirty="0"/>
-              <a:t>By default, browsers use the standard box model. If you want to turn on the alternative model for an element you do so by setting</a:t>
+              <a:t>By default, browsers use the standard box </a:t>
+            </a:r>
+            <a:r>
+              <a:rPr lang="en-US" dirty="0" smtClean="0"/>
+              <a:t>model (</a:t>
+            </a:r>
+            <a:r>
+              <a:rPr lang="en-US" i="1" dirty="0"/>
+              <a:t>content-box</a:t>
+            </a:r>
+            <a:r>
+              <a:rPr lang="en-US" dirty="0" smtClean="0"/>
+              <a:t>). </a:t>
+            </a:r>
+            <a:r>
+              <a:rPr lang="en-US" dirty="0"/>
+              <a:t>If you want to turn on the alternative model for an element you do so by setting</a:t>
             </a:r>
             <a:r>
               <a:rPr lang="en-US" sz="2400" dirty="0">
@@ -17403,272 +17426,9 @@
           <a:bodyPr/>
           <a:lstStyle/>
           <a:p>
-            <a:r>
-              <a:rPr lang="vi-VN" dirty="0" smtClean="0"/>
-              <a:t>Demo</a:t>
-            </a:r>
-          </a:p>
-          <a:p>
-            <a:pPr lvl="1">
-              <a:spcBef>
-                <a:spcPts val="100"/>
-              </a:spcBef>
+            <a:pPr marL="95250" indent="0">
+              <a:buNone/>
             </a:pPr>
-            <a:r>
-              <a:rPr lang="en-US" dirty="0"/>
-              <a:t>Include padding and border in the element's total width and height:</a:t>
-            </a:r>
-          </a:p>
-          <a:p>
-            <a:pPr marL="1047750" lvl="2" indent="0">
-              <a:spcBef>
-                <a:spcPts val="0"/>
-              </a:spcBef>
-              <a:buNone/>
-            </a:pPr>
-            <a:r>
-              <a:rPr lang="en-US" dirty="0">
-                <a:solidFill>
-                  <a:srgbClr val="A52A2A"/>
-                </a:solidFill>
-                <a:latin typeface="Courier New" panose="02070309020205020404" pitchFamily="49" charset="0"/>
-              </a:rPr>
-              <a:t>.box {</a:t>
-            </a:r>
-            <a:endParaRPr lang="en-US" dirty="0"/>
-          </a:p>
-          <a:p>
-            <a:pPr marL="1047750" lvl="2" indent="0">
-              <a:spcBef>
-                <a:spcPts val="0"/>
-              </a:spcBef>
-              <a:buNone/>
-            </a:pPr>
-            <a:r>
-              <a:rPr lang="en-US" dirty="0">
-                <a:solidFill>
-                  <a:srgbClr val="A52A2A"/>
-                </a:solidFill>
-                <a:latin typeface="Courier New" panose="02070309020205020404" pitchFamily="49" charset="0"/>
-              </a:rPr>
-              <a:t>  border: 5px solid </a:t>
-            </a:r>
-            <a:r>
-              <a:rPr lang="en-US" dirty="0" err="1">
-                <a:solidFill>
-                  <a:srgbClr val="A52A2A"/>
-                </a:solidFill>
-                <a:latin typeface="Courier New" panose="02070309020205020404" pitchFamily="49" charset="0"/>
-              </a:rPr>
-              <a:t>rebeccapurple</a:t>
-            </a:r>
-            <a:r>
-              <a:rPr lang="en-US" dirty="0">
-                <a:solidFill>
-                  <a:srgbClr val="A52A2A"/>
-                </a:solidFill>
-                <a:latin typeface="Courier New" panose="02070309020205020404" pitchFamily="49" charset="0"/>
-              </a:rPr>
-              <a:t>;</a:t>
-            </a:r>
-            <a:endParaRPr lang="en-US" dirty="0"/>
-          </a:p>
-          <a:p>
-            <a:pPr marL="1047750" lvl="2" indent="0">
-              <a:spcBef>
-                <a:spcPts val="0"/>
-              </a:spcBef>
-              <a:buNone/>
-            </a:pPr>
-            <a:r>
-              <a:rPr lang="en-US" dirty="0">
-                <a:solidFill>
-                  <a:srgbClr val="A52A2A"/>
-                </a:solidFill>
-                <a:latin typeface="Courier New" panose="02070309020205020404" pitchFamily="49" charset="0"/>
-              </a:rPr>
-              <a:t>  background-color: </a:t>
-            </a:r>
-            <a:r>
-              <a:rPr lang="en-US" dirty="0" err="1">
-                <a:solidFill>
-                  <a:srgbClr val="A52A2A"/>
-                </a:solidFill>
-                <a:latin typeface="Courier New" panose="02070309020205020404" pitchFamily="49" charset="0"/>
-              </a:rPr>
-              <a:t>lightgray</a:t>
-            </a:r>
-            <a:r>
-              <a:rPr lang="en-US" dirty="0">
-                <a:solidFill>
-                  <a:srgbClr val="A52A2A"/>
-                </a:solidFill>
-                <a:latin typeface="Courier New" panose="02070309020205020404" pitchFamily="49" charset="0"/>
-              </a:rPr>
-              <a:t>;</a:t>
-            </a:r>
-            <a:endParaRPr lang="en-US" dirty="0"/>
-          </a:p>
-          <a:p>
-            <a:pPr marL="1047750" lvl="2" indent="0">
-              <a:spcBef>
-                <a:spcPts val="0"/>
-              </a:spcBef>
-              <a:buNone/>
-            </a:pPr>
-            <a:r>
-              <a:rPr lang="en-US" dirty="0">
-                <a:solidFill>
-                  <a:srgbClr val="A52A2A"/>
-                </a:solidFill>
-                <a:latin typeface="Courier New" panose="02070309020205020404" pitchFamily="49" charset="0"/>
-              </a:rPr>
-              <a:t>  padding: 40px;</a:t>
-            </a:r>
-            <a:endParaRPr lang="en-US" dirty="0"/>
-          </a:p>
-          <a:p>
-            <a:pPr marL="1047750" lvl="2" indent="0">
-              <a:spcBef>
-                <a:spcPts val="0"/>
-              </a:spcBef>
-              <a:buNone/>
-            </a:pPr>
-            <a:r>
-              <a:rPr lang="en-US" dirty="0">
-                <a:solidFill>
-                  <a:srgbClr val="A52A2A"/>
-                </a:solidFill>
-                <a:latin typeface="Courier New" panose="02070309020205020404" pitchFamily="49" charset="0"/>
-              </a:rPr>
-              <a:t>  margin: 40px;</a:t>
-            </a:r>
-            <a:endParaRPr lang="en-US" dirty="0"/>
-          </a:p>
-          <a:p>
-            <a:pPr marL="1047750" lvl="2" indent="0">
-              <a:spcBef>
-                <a:spcPts val="0"/>
-              </a:spcBef>
-              <a:buNone/>
-            </a:pPr>
-            <a:r>
-              <a:rPr lang="en-US" dirty="0">
-                <a:solidFill>
-                  <a:srgbClr val="A52A2A"/>
-                </a:solidFill>
-                <a:latin typeface="Courier New" panose="02070309020205020404" pitchFamily="49" charset="0"/>
-              </a:rPr>
-              <a:t>  width: 300px;</a:t>
-            </a:r>
-            <a:endParaRPr lang="en-US" dirty="0"/>
-          </a:p>
-          <a:p>
-            <a:pPr marL="1047750" lvl="2" indent="0">
-              <a:spcBef>
-                <a:spcPts val="0"/>
-              </a:spcBef>
-              <a:buNone/>
-            </a:pPr>
-            <a:r>
-              <a:rPr lang="en-US" dirty="0">
-                <a:solidFill>
-                  <a:srgbClr val="A52A2A"/>
-                </a:solidFill>
-                <a:latin typeface="Courier New" panose="02070309020205020404" pitchFamily="49" charset="0"/>
-              </a:rPr>
-              <a:t>  height: 150px;</a:t>
-            </a:r>
-            <a:endParaRPr lang="en-US" dirty="0"/>
-          </a:p>
-          <a:p>
-            <a:pPr marL="1047750" lvl="2" indent="0">
-              <a:spcBef>
-                <a:spcPts val="0"/>
-              </a:spcBef>
-              <a:buNone/>
-            </a:pPr>
-            <a:r>
-              <a:rPr lang="en-US" dirty="0">
-                <a:solidFill>
-                  <a:srgbClr val="A52A2A"/>
-                </a:solidFill>
-                <a:latin typeface="Courier New" panose="02070309020205020404" pitchFamily="49" charset="0"/>
-              </a:rPr>
-              <a:t>}</a:t>
-            </a:r>
-            <a:endParaRPr lang="en-US" dirty="0"/>
-          </a:p>
-          <a:p>
-            <a:pPr marL="1047750" lvl="2" indent="0">
-              <a:spcBef>
-                <a:spcPts val="0"/>
-              </a:spcBef>
-              <a:buNone/>
-            </a:pPr>
-            <a:r>
-              <a:rPr lang="en-US" dirty="0"/>
-              <a:t> </a:t>
-            </a:r>
-          </a:p>
-          <a:p>
-            <a:pPr marL="1047750" lvl="2" indent="0">
-              <a:spcBef>
-                <a:spcPts val="0"/>
-              </a:spcBef>
-              <a:buNone/>
-            </a:pPr>
-            <a:r>
-              <a:rPr lang="en-US" dirty="0">
-                <a:solidFill>
-                  <a:srgbClr val="A52A2A"/>
-                </a:solidFill>
-                <a:latin typeface="Courier New" panose="02070309020205020404" pitchFamily="49" charset="0"/>
-              </a:rPr>
-              <a:t>.alternate {</a:t>
-            </a:r>
-            <a:endParaRPr lang="en-US" dirty="0"/>
-          </a:p>
-          <a:p>
-            <a:pPr marL="1047750" lvl="2" indent="0">
-              <a:spcBef>
-                <a:spcPts val="0"/>
-              </a:spcBef>
-              <a:buNone/>
-            </a:pPr>
-            <a:r>
-              <a:rPr lang="en-US" dirty="0">
-                <a:solidFill>
-                  <a:srgbClr val="A52A2A"/>
-                </a:solidFill>
-                <a:latin typeface="Courier New" panose="02070309020205020404" pitchFamily="49" charset="0"/>
-              </a:rPr>
-              <a:t>  box-sizing: border-box;</a:t>
-            </a:r>
-            <a:endParaRPr lang="en-US" dirty="0"/>
-          </a:p>
-          <a:p>
-            <a:pPr marL="1047750" lvl="2" indent="0">
-              <a:spcBef>
-                <a:spcPts val="0"/>
-              </a:spcBef>
-              <a:spcAft>
-                <a:spcPts val="100"/>
-              </a:spcAft>
-              <a:buNone/>
-            </a:pPr>
-            <a:r>
-              <a:rPr lang="en-US" dirty="0">
-                <a:solidFill>
-                  <a:srgbClr val="A52A2A"/>
-                </a:solidFill>
-                <a:latin typeface="Courier New" panose="02070309020205020404" pitchFamily="49" charset="0"/>
-              </a:rPr>
-              <a:t>}</a:t>
-            </a:r>
-            <a:endParaRPr lang="en-US" dirty="0"/>
-          </a:p>
-          <a:p>
             <a:r>
               <a:rPr lang="en-US" dirty="0"/>
               <a:t/>
@@ -17677,6 +17437,161 @@
               <a:rPr lang="en-US" dirty="0"/>
             </a:br>
             <a:endParaRPr lang="en-US" dirty="0"/>
+          </a:p>
+        </p:txBody>
+      </p:sp>
+      <p:pic>
+        <p:nvPicPr>
+          <p:cNvPr id="5" name="Picture 4"/>
+          <p:cNvPicPr>
+            <a:picLocks noChangeAspect="1"/>
+          </p:cNvPicPr>
+          <p:nvPr/>
+        </p:nvPicPr>
+        <p:blipFill>
+          <a:blip r:embed="rId2">
+            <a:extLst>
+              <a:ext uri="{28A0092B-C50C-407E-A947-70E740481C1C}">
+                <a14:useLocalDpi xmlns:a14="http://schemas.microsoft.com/office/drawing/2010/main" val="0"/>
+              </a:ext>
+            </a:extLst>
+          </a:blip>
+          <a:stretch>
+            <a:fillRect/>
+          </a:stretch>
+        </p:blipFill>
+        <p:spPr>
+          <a:xfrm>
+            <a:off x="968976" y="2190750"/>
+            <a:ext cx="3619500" cy="2324100"/>
+          </a:xfrm>
+          <a:prstGeom prst="rect">
+            <a:avLst/>
+          </a:prstGeom>
+        </p:spPr>
+      </p:pic>
+      <p:pic>
+        <p:nvPicPr>
+          <p:cNvPr id="6" name="Picture 5"/>
+          <p:cNvPicPr>
+            <a:picLocks noChangeAspect="1"/>
+          </p:cNvPicPr>
+          <p:nvPr/>
+        </p:nvPicPr>
+        <p:blipFill>
+          <a:blip r:embed="rId3">
+            <a:extLst>
+              <a:ext uri="{28A0092B-C50C-407E-A947-70E740481C1C}">
+                <a14:useLocalDpi xmlns:a14="http://schemas.microsoft.com/office/drawing/2010/main" val="0"/>
+              </a:ext>
+            </a:extLst>
+          </a:blip>
+          <a:stretch>
+            <a:fillRect/>
+          </a:stretch>
+        </p:blipFill>
+        <p:spPr>
+          <a:xfrm>
+            <a:off x="4895850" y="2190750"/>
+            <a:ext cx="3619500" cy="2324100"/>
+          </a:xfrm>
+          <a:prstGeom prst="rect">
+            <a:avLst/>
+          </a:prstGeom>
+        </p:spPr>
+      </p:pic>
+      <p:sp>
+        <p:nvSpPr>
+          <p:cNvPr id="8" name="TextBox 7"/>
+          <p:cNvSpPr txBox="1"/>
+          <p:nvPr/>
+        </p:nvSpPr>
+        <p:spPr>
+          <a:xfrm>
+            <a:off x="901510" y="1161499"/>
+            <a:ext cx="3666371" cy="1384995"/>
+          </a:xfrm>
+          <a:prstGeom prst="rect">
+            <a:avLst/>
+          </a:prstGeom>
+          <a:noFill/>
+        </p:spPr>
+        <p:txBody>
+          <a:bodyPr wrap="square" rtlCol="0">
+            <a:spAutoFit/>
+          </a:bodyPr>
+          <a:lstStyle/>
+          <a:p>
+            <a:r>
+              <a:rPr lang="en-US" dirty="0" err="1">
+                <a:solidFill>
+                  <a:srgbClr val="333333"/>
+                </a:solidFill>
+                <a:latin typeface="Courier New" panose="02070309020205020404" pitchFamily="49" charset="0"/>
+              </a:rPr>
+              <a:t>content-box:</a:t>
+            </a:r>
+            <a:r>
+              <a:rPr lang="en-US" dirty="0" err="1"/>
+              <a:t>The</a:t>
+            </a:r>
+            <a:r>
+              <a:rPr lang="en-US" dirty="0"/>
+              <a:t> width &amp; height of the element only include the content. In other words, the border, padding and margin aren't part of the width or height.</a:t>
+            </a:r>
+          </a:p>
+          <a:p>
+            <a:endParaRPr lang="en-US" dirty="0"/>
+          </a:p>
+          <a:p>
+            <a:endParaRPr lang="en-US" dirty="0"/>
+          </a:p>
+        </p:txBody>
+      </p:sp>
+      <p:sp>
+        <p:nvSpPr>
+          <p:cNvPr id="9" name="TextBox 8"/>
+          <p:cNvSpPr txBox="1"/>
+          <p:nvPr/>
+        </p:nvSpPr>
+        <p:spPr>
+          <a:xfrm>
+            <a:off x="4895850" y="1161499"/>
+            <a:ext cx="3867150" cy="523220"/>
+          </a:xfrm>
+          <a:prstGeom prst="rect">
+            <a:avLst/>
+          </a:prstGeom>
+          <a:noFill/>
+        </p:spPr>
+        <p:txBody>
+          <a:bodyPr wrap="square" rtlCol="0">
+            <a:spAutoFit/>
+          </a:bodyPr>
+          <a:lstStyle/>
+          <a:p>
+            <a:r>
+              <a:rPr lang="en-US" dirty="0">
+                <a:solidFill>
+                  <a:srgbClr val="333333"/>
+                </a:solidFill>
+                <a:latin typeface="Courier New" panose="02070309020205020404" pitchFamily="49" charset="0"/>
+              </a:rPr>
+              <a:t>box-</a:t>
+            </a:r>
+            <a:r>
+              <a:rPr lang="vi-VN" dirty="0">
+                <a:solidFill>
+                  <a:srgbClr val="333333"/>
+                </a:solidFill>
+                <a:latin typeface="Courier New" panose="02070309020205020404" pitchFamily="49" charset="0"/>
+              </a:rPr>
+              <a:t>sizing: </a:t>
+            </a:r>
+            <a:r>
+              <a:rPr lang="en-US" dirty="0"/>
+              <a:t>Include padding and border in the element's total width and height:</a:t>
+            </a:r>
           </a:p>
         </p:txBody>
       </p:sp>
@@ -17769,6 +17684,9 @@
             </a:r>
           </a:p>
           <a:p>
+            <a:pPr marL="95250" indent="0">
+              <a:buNone/>
+            </a:pPr>
             <a:r>
               <a:rPr lang="en-US" dirty="0"/>
               <a:t/>
@@ -17875,7 +17793,19 @@
           <a:p>
             <a:r>
               <a:rPr lang="en-US" b="1" dirty="0"/>
-              <a:t>The box model </a:t>
+              <a:t>The box </a:t>
+            </a:r>
+            <a:r>
+              <a:rPr lang="en-US" b="1" dirty="0" smtClean="0"/>
+              <a:t>model</a:t>
+            </a:r>
+            <a:r>
+              <a:rPr lang="vi-VN" b="1" dirty="0" smtClean="0"/>
+              <a:t> (d)</a:t>
+            </a:r>
+            <a:r>
+              <a:rPr lang="en-US" b="1" dirty="0"/>
+              <a:t> </a:t>
             </a:r>
             <a:endParaRPr lang="en-US" dirty="0"/>
           </a:p>
@@ -18789,7 +18719,15 @@
           <a:p>
             <a:r>
               <a:rPr lang="en-US" b="1" dirty="0"/>
-              <a:t>Intro to Responsive</a:t>
+              <a:t>Intro to </a:t>
+            </a:r>
+            <a:r>
+              <a:rPr lang="en-US" b="1" dirty="0" smtClean="0"/>
+              <a:t>Responsive</a:t>
+            </a:r>
+            <a:r>
+              <a:rPr lang="vi-VN" b="1" dirty="0" smtClean="0"/>
+              <a:t> (d)</a:t>
             </a:r>
             <a:endParaRPr lang="en-US" dirty="0"/>
           </a:p>
@@ -20378,8 +20316,12 @@
           <a:p>
             <a:pPr lvl="1"/>
             <a:r>
+              <a:rPr lang="en-US" dirty="0" smtClean="0"/>
+              <a:t>Some </a:t>
+            </a:r>
+            <a:r>
               <a:rPr lang="en-US" dirty="0"/>
-              <a:t>some CSS property values set on parent elements are inherited by their child elements, and some aren't</a:t>
+              <a:t>CSS property values set on parent elements are inherited by their child elements, and some aren't</a:t>
             </a:r>
             <a:r>
               <a:rPr lang="en-US" dirty="0" smtClean="0"/>

--- a/docs/CSS.pptx
+++ b/docs/CSS.pptx
@@ -17398,14 +17398,45 @@
             <p:ph type="title"/>
           </p:nvPr>
         </p:nvSpPr>
-        <p:spPr/>
+        <p:spPr>
+          <a:xfrm>
+            <a:off x="2438400" y="273844"/>
+            <a:ext cx="6077005" cy="640200"/>
+          </a:xfrm>
+        </p:spPr>
         <p:txBody>
           <a:bodyPr/>
           <a:lstStyle/>
           <a:p>
             <a:r>
               <a:rPr lang="en-US" b="1" dirty="0"/>
-              <a:t>The box model </a:t>
+              <a:t>The box </a:t>
+            </a:r>
+            <a:r>
+              <a:rPr lang="en-US" b="1" dirty="0" smtClean="0"/>
+              <a:t>model: </a:t>
+            </a:r>
+            <a:r>
+              <a:rPr lang="en-US" dirty="0">
+                <a:solidFill>
+                  <a:srgbClr val="333333"/>
+                </a:solidFill>
+                <a:latin typeface="Courier New" panose="02070309020205020404" pitchFamily="49" charset="0"/>
+              </a:rPr>
+              <a:t>box-</a:t>
+            </a:r>
+            <a:r>
+              <a:rPr lang="vi-VN" dirty="0">
+                <a:solidFill>
+                  <a:srgbClr val="333333"/>
+                </a:solidFill>
+                <a:latin typeface="Courier New" panose="02070309020205020404" pitchFamily="49" charset="0"/>
+              </a:rPr>
+              <a:t>sizing</a:t>
+            </a:r>
+            <a:r>
+              <a:rPr lang="en-US" b="1" dirty="0"/>
+              <a:t> </a:t>
             </a:r>
             <a:endParaRPr lang="en-US" dirty="0"/>
           </a:p>
@@ -17571,26 +17602,34 @@
           <a:lstStyle/>
           <a:p>
             <a:r>
-              <a:rPr lang="en-US" dirty="0">
+              <a:rPr lang="en-US" dirty="0" smtClean="0">
                 <a:solidFill>
                   <a:srgbClr val="333333"/>
                 </a:solidFill>
                 <a:latin typeface="Courier New" panose="02070309020205020404" pitchFamily="49" charset="0"/>
               </a:rPr>
-              <a:t>box-</a:t>
-            </a:r>
-            <a:r>
-              <a:rPr lang="vi-VN" dirty="0">
+              <a:t>Border-box</a:t>
+            </a:r>
+            <a:r>
+              <a:rPr lang="vi-VN" dirty="0" smtClean="0">
                 <a:solidFill>
                   <a:srgbClr val="333333"/>
                 </a:solidFill>
                 <a:latin typeface="Courier New" panose="02070309020205020404" pitchFamily="49" charset="0"/>
               </a:rPr>
-              <a:t>sizing: </a:t>
+              <a:t>: </a:t>
             </a:r>
             <a:r>
               <a:rPr lang="en-US" dirty="0"/>
-              <a:t>Include padding and border in the element's total width and height:</a:t>
+              <a:t>Include padding and border in </a:t>
+            </a:r>
+            <a:r>
+              <a:rPr lang="en-US" dirty="0" smtClean="0"/>
+              <a:t>the </a:t>
+            </a:r>
+            <a:r>
+              <a:rPr lang="en-US" dirty="0"/>
+              <a:t>element's total width and height:</a:t>
             </a:r>
           </a:p>
         </p:txBody>
